--- a/Docs/统计分析与建模.pptx
+++ b/Docs/统计分析与建模.pptx
@@ -19,12 +19,13 @@
     <p:sldId id="1099" r:id="rId12"/>
     <p:sldId id="1100" r:id="rId13"/>
     <p:sldId id="1101" r:id="rId14"/>
-    <p:sldId id="1063" r:id="rId15"/>
+    <p:sldId id="1102" r:id="rId15"/>
+    <p:sldId id="1063" r:id="rId16"/>
   </p:sldIdLst>
   <p:sldSz cx="12192000" cy="6858000"/>
   <p:notesSz cx="6858000" cy="9144000"/>
   <p:custDataLst>
-    <p:tags r:id="rId19"/>
+    <p:tags r:id="rId20"/>
   </p:custDataLst>
   <p:defaultTextStyle>
     <a:defPPr>
@@ -550,6 +551,62 @@
 </file>
 
 <file path=ppt/notesSlides/notesSlide10.xml><?xml version="1.0" encoding="utf-8"?>
+<p:notes xmlns:a="http://schemas.openxmlformats.org/drawingml/2006/main" xmlns:r="http://schemas.openxmlformats.org/officeDocument/2006/relationships" xmlns:p="http://schemas.openxmlformats.org/presentationml/2006/main">
+  <p:cSld>
+    <p:spTree>
+      <p:nvGrpSpPr>
+        <p:cNvPr id="1" name=""/>
+        <p:cNvGrpSpPr/>
+        <p:nvPr/>
+      </p:nvGrpSpPr>
+      <p:grpSpPr>
+        <a:xfrm>
+          <a:off x="0" y="0"/>
+          <a:ext cx="0" cy="0"/>
+          <a:chOff x="0" y="0"/>
+          <a:chExt cx="0" cy="0"/>
+        </a:xfrm>
+      </p:grpSpPr>
+      <p:sp>
+        <p:nvSpPr>
+          <p:cNvPr id="2" name="幻灯片图像占位符 1"/>
+          <p:cNvSpPr>
+            <a:spLocks noGrp="1" noRot="1" noChangeAspect="1"/>
+          </p:cNvSpPr>
+          <p:nvPr>
+            <p:ph type="sldImg"/>
+          </p:nvPr>
+        </p:nvSpPr>
+        <p:spPr/>
+      </p:sp>
+      <p:sp>
+        <p:nvSpPr>
+          <p:cNvPr id="3" name="备注占位符 2"/>
+          <p:cNvSpPr>
+            <a:spLocks noGrp="1"/>
+          </p:cNvSpPr>
+          <p:nvPr>
+            <p:ph type="body" idx="1"/>
+          </p:nvPr>
+        </p:nvSpPr>
+        <p:spPr/>
+        <p:txBody>
+          <a:bodyPr/>
+          <a:lstStyle/>
+          <a:p>
+            <a:endParaRPr lang="zh-CN" altLang="en-US"/>
+          </a:p>
+        </p:txBody>
+      </p:sp>
+    </p:spTree>
+  </p:cSld>
+  <p:clrMapOvr>
+    <a:masterClrMapping/>
+  </p:clrMapOvr>
+</p:notes>
+</file>
+
+<file path=ppt/notesSlides/notesSlide11.xml><?xml version="1.0" encoding="utf-8"?>
 <p:notes xmlns:a="http://schemas.openxmlformats.org/drawingml/2006/main" xmlns:r="http://schemas.openxmlformats.org/officeDocument/2006/relationships" xmlns:p="http://schemas.openxmlformats.org/presentationml/2006/main">
   <p:cSld>
     <p:spTree>
@@ -4860,6 +4917,607 @@
       </p:grpSpPr>
       <p:sp>
         <p:nvSpPr>
+          <p:cNvPr id="19" name="Rectangle 18"/>
+          <p:cNvSpPr/>
+          <p:nvPr/>
+        </p:nvSpPr>
+        <p:spPr>
+          <a:xfrm>
+            <a:off x="0" y="1601470"/>
+            <a:ext cx="12192000" cy="4239260"/>
+          </a:xfrm>
+          <a:prstGeom prst="rect">
+            <a:avLst/>
+          </a:prstGeom>
+          <a:solidFill>
+            <a:schemeClr val="bg1">
+              <a:lumMod val="95000"/>
+            </a:schemeClr>
+          </a:solidFill>
+          <a:ln>
+            <a:noFill/>
+          </a:ln>
+        </p:spPr>
+        <p:style>
+          <a:lnRef idx="2">
+            <a:schemeClr val="accent1">
+              <a:shade val="50000"/>
+            </a:schemeClr>
+          </a:lnRef>
+          <a:fillRef idx="1">
+            <a:schemeClr val="accent1"/>
+          </a:fillRef>
+          <a:effectRef idx="0">
+            <a:schemeClr val="accent1"/>
+          </a:effectRef>
+          <a:fontRef idx="minor">
+            <a:schemeClr val="lt1"/>
+          </a:fontRef>
+        </p:style>
+        <p:txBody>
+          <a:bodyPr rot="0" spcFirstLastPara="0" vertOverflow="overflow" horzOverflow="overflow" vert="horz" wrap="square" lIns="45720" tIns="22860" rIns="45720" bIns="22860" numCol="1" spcCol="0" rtlCol="0" fromWordArt="0" anchor="ctr" anchorCtr="0" forceAA="0" compatLnSpc="1">
+            <a:noAutofit/>
+          </a:bodyPr>
+          <a:lstStyle/>
+          <a:p>
+            <a:pPr algn="ctr"/>
+            <a:endParaRPr lang="tr-TR" sz="900">
+              <a:latin typeface="阿里巴巴普惠体"/>
+              <a:ea typeface="字魂58号-创中黑"/>
+              <a:cs typeface="+mn-ea"/>
+              <a:sym typeface="阿里巴巴普惠体"/>
+            </a:endParaRPr>
+          </a:p>
+        </p:txBody>
+      </p:sp>
+      <p:sp>
+        <p:nvSpPr>
+          <p:cNvPr id="7" name="Rectangle 6"/>
+          <p:cNvSpPr/>
+          <p:nvPr/>
+        </p:nvSpPr>
+        <p:spPr>
+          <a:xfrm>
+            <a:off x="833120" y="1647825"/>
+            <a:ext cx="4921250" cy="4265295"/>
+          </a:xfrm>
+          <a:prstGeom prst="rect">
+            <a:avLst/>
+          </a:prstGeom>
+        </p:spPr>
+        <p:txBody>
+          <a:bodyPr wrap="square">
+            <a:noAutofit/>
+          </a:bodyPr>
+          <a:lstStyle/>
+          <a:p>
+            <a:pPr>
+              <a:lnSpc>
+                <a:spcPct val="150000"/>
+              </a:lnSpc>
+            </a:pPr>
+            <a:r>
+              <a:rPr lang="zh-CN" altLang="en-US" sz="1600"/>
+              <a:t>实际应用场景</a:t>
+            </a:r>
+            <a:endParaRPr lang="en-US" altLang="zh-CN" sz="1600"/>
+          </a:p>
+          <a:p>
+            <a:pPr>
+              <a:lnSpc>
+                <a:spcPct val="150000"/>
+              </a:lnSpc>
+            </a:pPr>
+            <a:r>
+              <a:rPr lang="zh-CN" altLang="en-US" sz="1600"/>
+              <a:t>🏛</a:t>
+            </a:r>
+            <a:r>
+              <a:rPr lang="" altLang="en-US" sz="1600"/>
+              <a:t>️</a:t>
+            </a:r>
+            <a:r>
+              <a:rPr lang="en-US" altLang="zh-CN" sz="1600"/>
+              <a:t> </a:t>
+            </a:r>
+            <a:r>
+              <a:rPr lang="zh-CN" altLang="en-US" sz="1600"/>
+              <a:t>环保决策支持：基于</a:t>
+            </a:r>
+            <a:r>
+              <a:rPr lang="en-US" altLang="zh-CN" sz="1600"/>
+              <a:t> GLM</a:t>
+            </a:r>
+            <a:r>
+              <a:rPr lang="zh-CN" altLang="en-US" sz="1600"/>
+              <a:t>归因分析</a:t>
+            </a:r>
+            <a:r>
+              <a:rPr lang="en-US" altLang="zh-CN" sz="1600"/>
+              <a:t> </a:t>
+            </a:r>
+            <a:r>
+              <a:rPr lang="zh-CN" altLang="en-US" sz="1600"/>
+              <a:t>结果（如发现</a:t>
+            </a:r>
+            <a:r>
+              <a:rPr lang="en-US" altLang="zh-CN" sz="1600"/>
+              <a:t>“</a:t>
+            </a:r>
+            <a:r>
+              <a:rPr lang="zh-CN" altLang="en-US" sz="1600"/>
+              <a:t>露点</a:t>
+            </a:r>
+            <a:r>
+              <a:rPr lang="en-US" altLang="zh-CN" sz="1600"/>
+              <a:t>”</a:t>
+            </a:r>
+            <a:r>
+              <a:rPr lang="zh-CN" altLang="en-US" sz="1600"/>
+              <a:t>和</a:t>
+            </a:r>
+            <a:r>
+              <a:rPr lang="en-US" altLang="zh-CN" sz="1600"/>
+              <a:t>“</a:t>
+            </a:r>
+            <a:r>
+              <a:rPr lang="zh-CN" altLang="en-US" sz="1600"/>
+              <a:t>风速</a:t>
+            </a:r>
+            <a:r>
+              <a:rPr lang="en-US" altLang="zh-CN" sz="1600"/>
+              <a:t>”</a:t>
+            </a:r>
+            <a:r>
+              <a:rPr lang="zh-CN" altLang="en-US" sz="1600"/>
+              <a:t>是关键因子），建议在特定气象条件下（如高湿静稳天气）提前启动区域管控措施。</a:t>
+            </a:r>
+            <a:endParaRPr lang="zh-CN" altLang="en-US" sz="1600"/>
+          </a:p>
+          <a:p>
+            <a:pPr>
+              <a:lnSpc>
+                <a:spcPct val="150000"/>
+              </a:lnSpc>
+            </a:pPr>
+            <a:r>
+              <a:rPr lang="zh-CN" altLang="en-US" sz="1600"/>
+              <a:t>😷</a:t>
+            </a:r>
+            <a:r>
+              <a:rPr lang="en-US" altLang="zh-CN" sz="1600"/>
+              <a:t> </a:t>
+            </a:r>
+            <a:r>
+              <a:rPr lang="zh-CN" altLang="en-US" sz="1600"/>
+              <a:t>公众健康预警：利用</a:t>
+            </a:r>
+            <a:r>
+              <a:rPr lang="en-US" altLang="zh-CN" sz="1600"/>
+              <a:t> </a:t>
+            </a:r>
+            <a:r>
+              <a:rPr lang="zh-CN" altLang="en-US" sz="1600"/>
+              <a:t>分类模型（</a:t>
+            </a:r>
+            <a:r>
+              <a:rPr lang="en-US" altLang="zh-CN" sz="1600"/>
+              <a:t>Logistic/Naive Bayes</a:t>
+            </a:r>
+            <a:r>
+              <a:rPr lang="zh-CN" altLang="en-US" sz="1600"/>
+              <a:t>）的高准确率（</a:t>
+            </a:r>
+            <a:r>
+              <a:rPr lang="en-US" altLang="zh-CN" sz="1600"/>
+              <a:t>AUC &gt; 0.8</a:t>
+            </a:r>
+            <a:r>
+              <a:rPr lang="zh-CN" altLang="en-US" sz="1600"/>
+              <a:t>），为市民提供精准的出行建议（如：预测为</a:t>
+            </a:r>
+            <a:r>
+              <a:rPr lang="en-US" altLang="zh-CN" sz="1600"/>
+              <a:t>“</a:t>
+            </a:r>
+            <a:r>
+              <a:rPr lang="zh-CN" altLang="en-US" sz="1600"/>
+              <a:t>重度污染</a:t>
+            </a:r>
+            <a:r>
+              <a:rPr lang="en-US" altLang="zh-CN" sz="1600"/>
+              <a:t>”</a:t>
+            </a:r>
+            <a:r>
+              <a:rPr lang="zh-CN" altLang="en-US" sz="1600"/>
+              <a:t>时自动推送防护提醒）。</a:t>
+            </a:r>
+            <a:endParaRPr lang="zh-CN" altLang="en-US" sz="1600"/>
+          </a:p>
+          <a:p>
+            <a:pPr>
+              <a:lnSpc>
+                <a:spcPct val="150000"/>
+              </a:lnSpc>
+            </a:pPr>
+            <a:r>
+              <a:rPr lang="zh-CN" altLang="en-US" sz="1600"/>
+              <a:t>🏭</a:t>
+            </a:r>
+            <a:r>
+              <a:rPr lang="en-US" altLang="zh-CN" sz="1600"/>
+              <a:t> </a:t>
+            </a:r>
+            <a:r>
+              <a:rPr lang="zh-CN" altLang="en-US" sz="1600"/>
+              <a:t>污染源辅助定位：结合统计推断（</a:t>
+            </a:r>
+            <a:r>
+              <a:rPr lang="en-US" altLang="zh-CN" sz="1600"/>
+              <a:t>ANOVA</a:t>
+            </a:r>
+            <a:r>
+              <a:rPr lang="zh-CN" altLang="en-US" sz="1600"/>
+              <a:t>），识别不同风向下的污染差异（如东南风向污染显著），辅助定位潜在的工业排放源方向。</a:t>
+            </a:r>
+            <a:endParaRPr lang="zh-CN" altLang="en-US" sz="1600"/>
+          </a:p>
+        </p:txBody>
+      </p:sp>
+      <p:sp>
+        <p:nvSpPr>
+          <p:cNvPr id="10" name="Rectangle 9"/>
+          <p:cNvSpPr/>
+          <p:nvPr/>
+        </p:nvSpPr>
+        <p:spPr>
+          <a:xfrm>
+            <a:off x="6938645" y="1851660"/>
+            <a:ext cx="4782820" cy="3046095"/>
+          </a:xfrm>
+          <a:prstGeom prst="rect">
+            <a:avLst/>
+          </a:prstGeom>
+        </p:spPr>
+        <p:txBody>
+          <a:bodyPr wrap="square">
+            <a:spAutoFit/>
+          </a:bodyPr>
+          <a:lstStyle/>
+          <a:p>
+            <a:pPr>
+              <a:lnSpc>
+                <a:spcPct val="150000"/>
+              </a:lnSpc>
+            </a:pPr>
+            <a:r>
+              <a:rPr lang="zh-CN" altLang="en-US" sz="1600"/>
+              <a:t>未来改进方向</a:t>
+            </a:r>
+            <a:endParaRPr lang="en-US" altLang="zh-CN" sz="1600"/>
+          </a:p>
+          <a:p>
+            <a:pPr>
+              <a:lnSpc>
+                <a:spcPct val="150000"/>
+              </a:lnSpc>
+            </a:pPr>
+            <a:r>
+              <a:rPr lang="zh-CN" altLang="en-US" sz="1600"/>
+              <a:t>🗺</a:t>
+            </a:r>
+            <a:r>
+              <a:rPr lang="" altLang="en-US" sz="1600"/>
+              <a:t>️</a:t>
+            </a:r>
+            <a:r>
+              <a:rPr lang="en-US" altLang="zh-CN" sz="1600"/>
+              <a:t> </a:t>
+            </a:r>
+            <a:r>
+              <a:rPr lang="zh-CN" altLang="en-US" sz="1600"/>
+              <a:t>空间统计扩展：目前仅分析单点时间序列，未来计划引入</a:t>
+            </a:r>
+            <a:r>
+              <a:rPr lang="en-US" altLang="zh-CN" sz="1600"/>
+              <a:t> Kriging</a:t>
+            </a:r>
+            <a:r>
+              <a:rPr lang="zh-CN" altLang="en-US" sz="1600"/>
+              <a:t>插值</a:t>
+            </a:r>
+            <a:r>
+              <a:rPr lang="en-US" altLang="zh-CN" sz="1600"/>
+              <a:t> </a:t>
+            </a:r>
+            <a:r>
+              <a:rPr lang="zh-CN" altLang="en-US" sz="1600"/>
+              <a:t>或</a:t>
+            </a:r>
+            <a:r>
+              <a:rPr lang="en-US" altLang="zh-CN" sz="1600"/>
+              <a:t> </a:t>
+            </a:r>
+            <a:r>
+              <a:rPr lang="zh-CN" altLang="en-US" sz="1600"/>
+              <a:t>空间计量模型，分析京津冀区域的污染扩散路径。</a:t>
+            </a:r>
+            <a:endParaRPr lang="zh-CN" altLang="en-US" sz="1600"/>
+          </a:p>
+          <a:p>
+            <a:pPr>
+              <a:lnSpc>
+                <a:spcPct val="150000"/>
+              </a:lnSpc>
+            </a:pPr>
+            <a:r>
+              <a:rPr lang="zh-CN" altLang="en-US" sz="1600"/>
+              <a:t>📈</a:t>
+            </a:r>
+            <a:r>
+              <a:rPr lang="en-US" altLang="zh-CN" sz="1600"/>
+              <a:t> </a:t>
+            </a:r>
+            <a:r>
+              <a:rPr lang="zh-CN" altLang="en-US" sz="1600"/>
+              <a:t>数据维度增强：引入交通流量、工业用电量等社会经济指标作为外生变量，提高模型的解释力。</a:t>
+            </a:r>
+            <a:endParaRPr lang="zh-CN" altLang="en-US" sz="1600"/>
+          </a:p>
+          <a:p>
+            <a:pPr>
+              <a:lnSpc>
+                <a:spcPct val="150000"/>
+              </a:lnSpc>
+            </a:pPr>
+            <a:r>
+              <a:rPr lang="zh-CN" altLang="en-US" sz="1600"/>
+              <a:t>🔄</a:t>
+            </a:r>
+            <a:r>
+              <a:rPr lang="en-US" altLang="zh-CN" sz="1600"/>
+              <a:t> </a:t>
+            </a:r>
+            <a:r>
+              <a:rPr lang="zh-CN" altLang="en-US" sz="1600"/>
+              <a:t>实时化部署：将当前的离线</a:t>
+            </a:r>
+            <a:r>
+              <a:rPr lang="en-US" altLang="zh-CN" sz="1600"/>
+              <a:t>CSV</a:t>
+            </a:r>
+            <a:r>
+              <a:rPr lang="zh-CN" altLang="en-US" sz="1600"/>
+              <a:t>分析升级为对接</a:t>
+            </a:r>
+            <a:r>
+              <a:rPr lang="en-US" altLang="zh-CN" sz="1600"/>
+              <a:t> </a:t>
+            </a:r>
+            <a:r>
+              <a:rPr lang="zh-CN" altLang="en-US" sz="1600"/>
+              <a:t>空气质量</a:t>
+            </a:r>
+            <a:r>
+              <a:rPr lang="en-US" altLang="zh-CN" sz="1600"/>
+              <a:t>API</a:t>
+            </a:r>
+            <a:r>
+              <a:rPr lang="zh-CN" altLang="en-US" sz="1600"/>
+              <a:t>，实现秒级数据更新与实时监控。</a:t>
+            </a:r>
+            <a:endParaRPr lang="zh-CN" altLang="en-US" sz="1600"/>
+          </a:p>
+        </p:txBody>
+      </p:sp>
+      <p:grpSp>
+        <p:nvGrpSpPr>
+          <p:cNvPr id="22" name="组合 21"/>
+          <p:cNvGrpSpPr/>
+          <p:nvPr/>
+        </p:nvGrpSpPr>
+        <p:grpSpPr>
+          <a:xfrm>
+            <a:off x="3657734" y="296961"/>
+            <a:ext cx="4876800" cy="732015"/>
+            <a:chOff x="3657734" y="296961"/>
+            <a:chExt cx="4876800" cy="732015"/>
+          </a:xfrm>
+        </p:grpSpPr>
+        <p:sp>
+          <p:nvSpPr>
+            <p:cNvPr id="23" name="Rectangle 7"/>
+            <p:cNvSpPr/>
+            <p:nvPr/>
+          </p:nvSpPr>
+          <p:spPr>
+            <a:xfrm>
+              <a:off x="3657734" y="296961"/>
+              <a:ext cx="4876800" cy="521970"/>
+            </a:xfrm>
+            <a:prstGeom prst="rect">
+              <a:avLst/>
+            </a:prstGeom>
+          </p:spPr>
+          <p:txBody>
+            <a:bodyPr wrap="square">
+              <a:spAutoFit/>
+            </a:bodyPr>
+            <a:lstStyle/>
+            <a:p>
+              <a:pPr algn="dist"/>
+              <a:r>
+                <a:rPr lang="zh-CN" altLang="en-US" sz="2800" dirty="0">
+                  <a:latin typeface="阿里巴巴普惠体"/>
+                  <a:ea typeface="字魂58号-创中黑"/>
+                  <a:cs typeface="+mn-ea"/>
+                  <a:sym typeface="阿里巴巴普惠体"/>
+                </a:rPr>
+                <a:t>实际应用价值与系统演进方向</a:t>
+              </a:r>
+              <a:endParaRPr lang="zh-CN" altLang="en-US" sz="2800" dirty="0">
+                <a:latin typeface="阿里巴巴普惠体"/>
+                <a:ea typeface="字魂58号-创中黑"/>
+                <a:cs typeface="+mn-ea"/>
+                <a:sym typeface="阿里巴巴普惠体"/>
+              </a:endParaRPr>
+            </a:p>
+          </p:txBody>
+        </p:sp>
+        <p:sp>
+          <p:nvSpPr>
+            <p:cNvPr id="24" name="矩形 23"/>
+            <p:cNvSpPr/>
+            <p:nvPr/>
+          </p:nvSpPr>
+          <p:spPr>
+            <a:xfrm>
+              <a:off x="4331469" y="776246"/>
+              <a:ext cx="3529062" cy="252730"/>
+            </a:xfrm>
+            <a:prstGeom prst="rect">
+              <a:avLst/>
+            </a:prstGeom>
+          </p:spPr>
+          <p:txBody>
+            <a:bodyPr wrap="square">
+              <a:spAutoFit/>
+            </a:bodyPr>
+            <a:lstStyle>
+              <a:defPPr>
+                <a:defRPr lang="zh-CN"/>
+              </a:defPPr>
+              <a:lvl1pPr marL="0" algn="l" defTabSz="914400" rtl="0" eaLnBrk="1" latinLnBrk="0" hangingPunct="1">
+                <a:defRPr sz="1800" kern="1200">
+                  <a:solidFill>
+                    <a:schemeClr val="tx1"/>
+                  </a:solidFill>
+                  <a:latin typeface="+mn-lt"/>
+                  <a:ea typeface="+mn-ea"/>
+                  <a:cs typeface="+mn-cs"/>
+                </a:defRPr>
+              </a:lvl1pPr>
+              <a:lvl2pPr marL="457200" algn="l" defTabSz="914400" rtl="0" eaLnBrk="1" latinLnBrk="0" hangingPunct="1">
+                <a:defRPr sz="1800" kern="1200">
+                  <a:solidFill>
+                    <a:schemeClr val="tx1"/>
+                  </a:solidFill>
+                  <a:latin typeface="+mn-lt"/>
+                  <a:ea typeface="+mn-ea"/>
+                  <a:cs typeface="+mn-cs"/>
+                </a:defRPr>
+              </a:lvl2pPr>
+              <a:lvl3pPr marL="914400" algn="l" defTabSz="914400" rtl="0" eaLnBrk="1" latinLnBrk="0" hangingPunct="1">
+                <a:defRPr sz="1800" kern="1200">
+                  <a:solidFill>
+                    <a:schemeClr val="tx1"/>
+                  </a:solidFill>
+                  <a:latin typeface="+mn-lt"/>
+                  <a:ea typeface="+mn-ea"/>
+                  <a:cs typeface="+mn-cs"/>
+                </a:defRPr>
+              </a:lvl3pPr>
+              <a:lvl4pPr marL="1371600" algn="l" defTabSz="914400" rtl="0" eaLnBrk="1" latinLnBrk="0" hangingPunct="1">
+                <a:defRPr sz="1800" kern="1200">
+                  <a:solidFill>
+                    <a:schemeClr val="tx1"/>
+                  </a:solidFill>
+                  <a:latin typeface="+mn-lt"/>
+                  <a:ea typeface="+mn-ea"/>
+                  <a:cs typeface="+mn-cs"/>
+                </a:defRPr>
+              </a:lvl4pPr>
+              <a:lvl5pPr marL="1828800" algn="l" defTabSz="914400" rtl="0" eaLnBrk="1" latinLnBrk="0" hangingPunct="1">
+                <a:defRPr sz="1800" kern="1200">
+                  <a:solidFill>
+                    <a:schemeClr val="tx1"/>
+                  </a:solidFill>
+                  <a:latin typeface="+mn-lt"/>
+                  <a:ea typeface="+mn-ea"/>
+                  <a:cs typeface="+mn-cs"/>
+                </a:defRPr>
+              </a:lvl5pPr>
+              <a:lvl6pPr marL="2286000" algn="l" defTabSz="914400" rtl="0" eaLnBrk="1" latinLnBrk="0" hangingPunct="1">
+                <a:defRPr sz="1800" kern="1200">
+                  <a:solidFill>
+                    <a:schemeClr val="tx1"/>
+                  </a:solidFill>
+                  <a:latin typeface="+mn-lt"/>
+                  <a:ea typeface="+mn-ea"/>
+                  <a:cs typeface="+mn-cs"/>
+                </a:defRPr>
+              </a:lvl6pPr>
+              <a:lvl7pPr marL="2743200" algn="l" defTabSz="914400" rtl="0" eaLnBrk="1" latinLnBrk="0" hangingPunct="1">
+                <a:defRPr sz="1800" kern="1200">
+                  <a:solidFill>
+                    <a:schemeClr val="tx1"/>
+                  </a:solidFill>
+                  <a:latin typeface="+mn-lt"/>
+                  <a:ea typeface="+mn-ea"/>
+                  <a:cs typeface="+mn-cs"/>
+                </a:defRPr>
+              </a:lvl7pPr>
+              <a:lvl8pPr marL="3200400" algn="l" defTabSz="914400" rtl="0" eaLnBrk="1" latinLnBrk="0" hangingPunct="1">
+                <a:defRPr sz="1800" kern="1200">
+                  <a:solidFill>
+                    <a:schemeClr val="tx1"/>
+                  </a:solidFill>
+                  <a:latin typeface="+mn-lt"/>
+                  <a:ea typeface="+mn-ea"/>
+                  <a:cs typeface="+mn-cs"/>
+                </a:defRPr>
+              </a:lvl8pPr>
+              <a:lvl9pPr marL="3657600" algn="l" defTabSz="914400" rtl="0" eaLnBrk="1" latinLnBrk="0" hangingPunct="1">
+                <a:defRPr sz="1800" kern="1200">
+                  <a:solidFill>
+                    <a:schemeClr val="tx1"/>
+                  </a:solidFill>
+                  <a:latin typeface="+mn-lt"/>
+                  <a:ea typeface="+mn-ea"/>
+                  <a:cs typeface="+mn-cs"/>
+                </a:defRPr>
+              </a:lvl9pPr>
+            </a:lstStyle>
+            <a:p>
+              <a:pPr algn="dist"/>
+              <a:endParaRPr lang="en-US" altLang="zh-CN" sz="1050">
+                <a:latin typeface="阿里巴巴普惠体"/>
+                <a:ea typeface="字魂58号-创中黑"/>
+                <a:cs typeface="+mn-ea"/>
+                <a:sym typeface="阿里巴巴普惠体"/>
+              </a:endParaRPr>
+            </a:p>
+          </p:txBody>
+        </p:sp>
+      </p:grpSp>
+    </p:spTree>
+  </p:cSld>
+  <p:clrMapOvr>
+    <a:masterClrMapping/>
+  </p:clrMapOvr>
+  <p:transition/>
+</p:sld>
+</file>
+
+<file path=ppt/slides/slide11.xml><?xml version="1.0" encoding="utf-8"?>
+<p:sld xmlns:a="http://schemas.openxmlformats.org/drawingml/2006/main" xmlns:r="http://schemas.openxmlformats.org/officeDocument/2006/relationships" xmlns:p="http://schemas.openxmlformats.org/presentationml/2006/main">
+  <p:cSld>
+    <p:spTree>
+      <p:nvGrpSpPr>
+        <p:cNvPr id="1" name=""/>
+        <p:cNvGrpSpPr/>
+        <p:nvPr/>
+      </p:nvGrpSpPr>
+      <p:grpSpPr>
+        <a:xfrm>
+          <a:off x="0" y="0"/>
+          <a:ext cx="0" cy="0"/>
+          <a:chOff x="0" y="0"/>
+          <a:chExt cx="0" cy="0"/>
+        </a:xfrm>
+      </p:grpSpPr>
+      <p:sp>
+        <p:nvSpPr>
           <p:cNvPr id="2" name="文本框 4"/>
           <p:cNvSpPr txBox="1"/>
           <p:nvPr/>
@@ -6273,23 +6931,7 @@
             </a:pPr>
             <a:r>
               <a:rPr lang="zh-CN" altLang="en-US" sz="1200"/>
-              <a:t>实现从归因分析（回归）、状态识别（分类</a:t>
-            </a:r>
-            <a:r>
-              <a:rPr lang="en-US" altLang="zh-CN" sz="1200"/>
-              <a:t>/HMM</a:t>
-            </a:r>
-            <a:r>
-              <a:rPr lang="zh-CN" altLang="en-US" sz="1200"/>
-              <a:t>）到趋势预测（</a:t>
-            </a:r>
-            <a:r>
-              <a:rPr lang="en-US" altLang="zh-CN" sz="1200"/>
-              <a:t>ARIMA</a:t>
-            </a:r>
-            <a:r>
-              <a:rPr lang="zh-CN" altLang="en-US" sz="1200"/>
-              <a:t>）的全流程覆盖。</a:t>
+              <a:t>实现从归因分析、状态识别到趋势预测的全流程覆盖。</a:t>
             </a:r>
             <a:endParaRPr lang="zh-CN" altLang="en-US" sz="1200"/>
           </a:p>
@@ -6954,7 +7596,7 @@
         <p:spPr>
           <a:xfrm>
             <a:off x="1754505" y="2111375"/>
-            <a:ext cx="3845560" cy="2491740"/>
+            <a:ext cx="3845560" cy="2122805"/>
           </a:xfrm>
           <a:prstGeom prst="rect">
             <a:avLst/>
@@ -7094,26 +7736,6 @@
             <a:r>
               <a:rPr lang="en-US" altLang="zh-CN" sz="1600"/>
               <a:t>plotly</a:t>
-            </a:r>
-            <a:endParaRPr lang="en-US" altLang="zh-CN" sz="1600"/>
-          </a:p>
-          <a:p>
-            <a:pPr>
-              <a:lnSpc>
-                <a:spcPct val="150000"/>
-              </a:lnSpc>
-            </a:pPr>
-            <a:r>
-              <a:rPr lang="zh-CN" altLang="en-US" sz="1600"/>
-              <a:t>特色模型：</a:t>
-            </a:r>
-            <a:r>
-              <a:rPr lang="en-US" altLang="zh-CN" sz="1600"/>
-              <a:t> hmmlearn</a:t>
-            </a:r>
-            <a:r>
-              <a:rPr lang="zh-CN" altLang="en-US" sz="1600"/>
-              <a:t>（隐马尔可夫）</a:t>
             </a:r>
             <a:endParaRPr lang="zh-CN" altLang="en-US" sz="1600"/>
           </a:p>
@@ -8800,8 +9422,8 @@
         </p:nvSpPr>
         <p:spPr>
           <a:xfrm>
-            <a:off x="6096635" y="3740785"/>
-            <a:ext cx="5837555" cy="2993390"/>
+            <a:off x="6096635" y="3429000"/>
+            <a:ext cx="5411470" cy="3373120"/>
           </a:xfrm>
           <a:prstGeom prst="rect">
             <a:avLst/>
@@ -8881,23 +9503,7 @@
             </a:pPr>
             <a:r>
               <a:rPr lang="zh-CN" altLang="en-US" sz="1400"/>
-              <a:t>创新模型：</a:t>
-            </a:r>
-            <a:r>
-              <a:rPr lang="en-US" altLang="zh-CN" sz="1400"/>
-              <a:t>HMM</a:t>
-            </a:r>
-            <a:r>
-              <a:rPr lang="zh-CN" altLang="en-US" sz="1400"/>
-              <a:t>隐马尔可夫</a:t>
-            </a:r>
-            <a:r>
-              <a:rPr lang="en-US" altLang="zh-CN" sz="1400"/>
-              <a:t> (hmm_model.py)</a:t>
-            </a:r>
-            <a:r>
-              <a:rPr lang="zh-CN" altLang="en-US" sz="1400"/>
-              <a:t>：</a:t>
+              <a:t>核心亮点：</a:t>
             </a:r>
             <a:endParaRPr lang="zh-CN" altLang="en-US" sz="1400"/>
           </a:p>
@@ -8909,7 +9515,7 @@
             </a:pPr>
             <a:r>
               <a:rPr lang="zh-CN" altLang="en-US" sz="1400"/>
-              <a:t>假设：污染状态是</a:t>
+              <a:t>模型对决：对比</a:t>
             </a:r>
             <a:r>
               <a:rPr lang="en-US" altLang="zh-CN" sz="1400"/>
@@ -8917,7 +9523,7 @@
             </a:r>
             <a:r>
               <a:rPr lang="zh-CN" altLang="en-US" sz="1400"/>
-              <a:t>隐变量</a:t>
+              <a:t>线性边界</a:t>
             </a:r>
             <a:r>
               <a:rPr lang="en-US" altLang="zh-CN" sz="1400"/>
@@ -8925,15 +9531,39 @@
             </a:r>
             <a:r>
               <a:rPr lang="zh-CN" altLang="en-US" sz="1400"/>
-              <a:t>，观测值是</a:t>
+              <a:t>（</a:t>
             </a:r>
             <a:r>
               <a:rPr lang="en-US" altLang="zh-CN" sz="1400"/>
-              <a:t>PM2.5</a:t>
+              <a:t>Logistic</a:t>
             </a:r>
             <a:r>
               <a:rPr lang="zh-CN" altLang="en-US" sz="1400"/>
-              <a:t>。</a:t>
+              <a:t>）与</a:t>
+            </a:r>
+            <a:r>
+              <a:rPr lang="en-US" altLang="zh-CN" sz="1400"/>
+              <a:t>“</a:t>
+            </a:r>
+            <a:r>
+              <a:rPr lang="zh-CN" altLang="en-US" sz="1400"/>
+              <a:t>概率生成</a:t>
+            </a:r>
+            <a:r>
+              <a:rPr lang="en-US" altLang="zh-CN" sz="1400"/>
+              <a:t>”</a:t>
+            </a:r>
+            <a:r>
+              <a:rPr lang="zh-CN" altLang="en-US" sz="1400"/>
+              <a:t>（</a:t>
+            </a:r>
+            <a:r>
+              <a:rPr lang="en-US" altLang="zh-CN" sz="1400"/>
+              <a:t>NB</a:t>
+            </a:r>
+            <a:r>
+              <a:rPr lang="zh-CN" altLang="en-US" sz="1400"/>
+              <a:t>）在空气质量数据上的表现差异，探讨特征独立性假设的有效性。</a:t>
             </a:r>
             <a:endParaRPr lang="zh-CN" altLang="en-US" sz="1400"/>
           </a:p>
@@ -8945,16 +9575,72 @@
             </a:pPr>
             <a:r>
               <a:rPr lang="zh-CN" altLang="en-US" sz="1400"/>
-              <a:t>优势：</a:t>
+              <a:t>多维评估：引入</a:t>
             </a:r>
             <a:r>
               <a:rPr lang="en-US" altLang="zh-CN" sz="1400"/>
-              <a:t>HMM</a:t>
+              <a:t> ROC</a:t>
             </a:r>
             <a:r>
               <a:rPr lang="zh-CN" altLang="en-US" sz="1400"/>
-              <a:t>考虑了状态的时间转移概率（例如：如果是重度污染，下一时刻大概率仍是重度），比单纯的分类器更能捕捉污染的持续性特征。</a:t>
-            </a:r>
+              <a:t>曲线</a:t>
+            </a:r>
+            <a:r>
+              <a:rPr lang="en-US" altLang="zh-CN" sz="1400"/>
+              <a:t> </a:t>
+            </a:r>
+            <a:r>
+              <a:rPr lang="zh-CN" altLang="en-US" sz="1400"/>
+              <a:t>与</a:t>
+            </a:r>
+            <a:r>
+              <a:rPr lang="en-US" altLang="zh-CN" sz="1400"/>
+              <a:t> AUC</a:t>
+            </a:r>
+            <a:r>
+              <a:rPr lang="zh-CN" altLang="en-US" sz="1400"/>
+              <a:t>值，不仅看准确率，更关注模型在不同阈值下区分</a:t>
+            </a:r>
+            <a:r>
+              <a:rPr lang="en-US" altLang="zh-CN" sz="1400"/>
+              <a:t>“</a:t>
+            </a:r>
+            <a:r>
+              <a:rPr lang="zh-CN" altLang="en-US" sz="1400"/>
+              <a:t>重污染</a:t>
+            </a:r>
+            <a:r>
+              <a:rPr lang="en-US" altLang="zh-CN" sz="1400"/>
+              <a:t>”</a:t>
+            </a:r>
+            <a:r>
+              <a:rPr lang="zh-CN" altLang="en-US" sz="1400"/>
+              <a:t>与</a:t>
+            </a:r>
+            <a:r>
+              <a:rPr lang="en-US" altLang="zh-CN" sz="1400"/>
+              <a:t>“</a:t>
+            </a:r>
+            <a:r>
+              <a:rPr lang="zh-CN" altLang="en-US" sz="1400"/>
+              <a:t>非重污染</a:t>
+            </a:r>
+            <a:r>
+              <a:rPr lang="en-US" altLang="zh-CN" sz="1400"/>
+              <a:t>”</a:t>
+            </a:r>
+            <a:r>
+              <a:rPr lang="zh-CN" altLang="en-US" sz="1400"/>
+              <a:t>的能力。</a:t>
+            </a:r>
+            <a:endParaRPr lang="zh-CN" altLang="en-US" sz="1400"/>
+          </a:p>
+          <a:p>
+            <a:pPr fontAlgn="base">
+              <a:lnSpc>
+                <a:spcPct val="150000"/>
+              </a:lnSpc>
+            </a:pPr>
             <a:endParaRPr lang="zh-CN" altLang="en-US" sz="1400"/>
           </a:p>
         </p:txBody>
@@ -9155,8 +9841,8 @@
         </p:blipFill>
         <p:spPr>
           <a:xfrm>
-            <a:off x="6096635" y="875030"/>
-            <a:ext cx="5940425" cy="2865755"/>
+            <a:off x="6097270" y="875030"/>
+            <a:ext cx="5551170" cy="2677795"/>
           </a:xfrm>
           <a:prstGeom prst="rect">
             <a:avLst/>
@@ -9968,13 +10654,13 @@
 
 <file path=ppt/tags/tag1.xml><?xml version="1.0" encoding="utf-8"?>
 <p:tagLst xmlns:p="http://schemas.openxmlformats.org/presentationml/2006/main">
-  <p:tag name="KSO_WM_DIAGRAM_VIRTUALLY_FRAME" val="{&quot;height&quot;:401.16472440944887,&quot;left&quot;:554.5730708661417,&quot;top&quot;:147.29000000000002,&quot;width&quot;:233.61614173228355}"/>
+  <p:tag name="KSO_WM_DIAGRAM_VIRTUALLY_FRAME" val="{&quot;height&quot;:406.204094488189,&quot;left&quot;:554.5730708661417,&quot;top&quot;:142.25062992125984,&quot;width&quot;:307.17692913385827}"/>
 </p:tagLst>
 </file>
 
 <file path=ppt/tags/tag10.xml><?xml version="1.0" encoding="utf-8"?>
 <p:tagLst xmlns:p="http://schemas.openxmlformats.org/presentationml/2006/main">
-  <p:tag name="KSO_WM_DIAGRAM_VIRTUALLY_FRAME" val="{&quot;height&quot;:401.16472440944887,&quot;left&quot;:554.5730708661417,&quot;top&quot;:147.29000000000002,&quot;width&quot;:233.61614173228355}"/>
+  <p:tag name="KSO_WM_DIAGRAM_VIRTUALLY_FRAME" val="{&quot;height&quot;:406.204094488189,&quot;left&quot;:554.5730708661417,&quot;top&quot;:142.25062992125984,&quot;width&quot;:307.17692913385827}"/>
 </p:tagLst>
 </file>
 
@@ -10033,49 +10719,49 @@
 
 <file path=ppt/tags/tag2.xml><?xml version="1.0" encoding="utf-8"?>
 <p:tagLst xmlns:p="http://schemas.openxmlformats.org/presentationml/2006/main">
-  <p:tag name="KSO_WM_DIAGRAM_VIRTUALLY_FRAME" val="{&quot;height&quot;:364.89141732283457,&quot;left&quot;:554.5730708661417,&quot;top&quot;:147.29000000000002,&quot;width&quot;:233.61614173228355}"/>
+  <p:tag name="KSO_WM_DIAGRAM_VIRTUALLY_FRAME" val="{&quot;height&quot;:406.204094488189,&quot;left&quot;:554.5730708661417,&quot;top&quot;:142.25062992125984,&quot;width&quot;:307.17692913385827}"/>
 </p:tagLst>
 </file>
 
 <file path=ppt/tags/tag3.xml><?xml version="1.0" encoding="utf-8"?>
 <p:tagLst xmlns:p="http://schemas.openxmlformats.org/presentationml/2006/main">
-  <p:tag name="KSO_WM_DIAGRAM_VIRTUALLY_FRAME" val="{&quot;height&quot;:401.16472440944887,&quot;left&quot;:554.5730708661417,&quot;top&quot;:147.29000000000002,&quot;width&quot;:233.61614173228355}"/>
+  <p:tag name="KSO_WM_DIAGRAM_VIRTUALLY_FRAME" val="{&quot;height&quot;:406.204094488189,&quot;left&quot;:554.5730708661417,&quot;top&quot;:142.25062992125984,&quot;width&quot;:307.17692913385827}"/>
 </p:tagLst>
 </file>
 
 <file path=ppt/tags/tag4.xml><?xml version="1.0" encoding="utf-8"?>
 <p:tagLst xmlns:p="http://schemas.openxmlformats.org/presentationml/2006/main">
-  <p:tag name="KSO_WM_DIAGRAM_VIRTUALLY_FRAME" val="{&quot;height&quot;:401.16472440944887,&quot;left&quot;:554.5730708661417,&quot;top&quot;:147.29000000000002,&quot;width&quot;:233.61614173228355}"/>
+  <p:tag name="KSO_WM_DIAGRAM_VIRTUALLY_FRAME" val="{&quot;height&quot;:406.204094488189,&quot;left&quot;:554.5730708661417,&quot;top&quot;:142.25062992125984,&quot;width&quot;:307.17692913385827}"/>
 </p:tagLst>
 </file>
 
 <file path=ppt/tags/tag5.xml><?xml version="1.0" encoding="utf-8"?>
 <p:tagLst xmlns:p="http://schemas.openxmlformats.org/presentationml/2006/main">
-  <p:tag name="KSO_WM_DIAGRAM_VIRTUALLY_FRAME" val="{&quot;height&quot;:401.16472440944887,&quot;left&quot;:554.5730708661417,&quot;top&quot;:147.29000000000002,&quot;width&quot;:233.61614173228355}"/>
+  <p:tag name="KSO_WM_DIAGRAM_VIRTUALLY_FRAME" val="{&quot;height&quot;:406.204094488189,&quot;left&quot;:554.5730708661417,&quot;top&quot;:142.25062992125984,&quot;width&quot;:307.17692913385827}"/>
 </p:tagLst>
 </file>
 
 <file path=ppt/tags/tag6.xml><?xml version="1.0" encoding="utf-8"?>
 <p:tagLst xmlns:p="http://schemas.openxmlformats.org/presentationml/2006/main">
-  <p:tag name="KSO_WM_DIAGRAM_VIRTUALLY_FRAME" val="{&quot;height&quot;:401.16472440944887,&quot;left&quot;:554.5730708661417,&quot;top&quot;:147.29000000000002,&quot;width&quot;:233.61614173228355}"/>
+  <p:tag name="KSO_WM_DIAGRAM_VIRTUALLY_FRAME" val="{&quot;height&quot;:406.204094488189,&quot;left&quot;:554.5730708661417,&quot;top&quot;:142.25062992125984,&quot;width&quot;:307.17692913385827}"/>
 </p:tagLst>
 </file>
 
 <file path=ppt/tags/tag7.xml><?xml version="1.0" encoding="utf-8"?>
 <p:tagLst xmlns:p="http://schemas.openxmlformats.org/presentationml/2006/main">
-  <p:tag name="KSO_WM_DIAGRAM_VIRTUALLY_FRAME" val="{&quot;height&quot;:401.16472440944887,&quot;left&quot;:554.5730708661417,&quot;top&quot;:147.29000000000002,&quot;width&quot;:233.61614173228355}"/>
+  <p:tag name="KSO_WM_DIAGRAM_VIRTUALLY_FRAME" val="{&quot;height&quot;:406.204094488189,&quot;left&quot;:554.5730708661417,&quot;top&quot;:142.25062992125984,&quot;width&quot;:307.17692913385827}"/>
 </p:tagLst>
 </file>
 
 <file path=ppt/tags/tag8.xml><?xml version="1.0" encoding="utf-8"?>
 <p:tagLst xmlns:p="http://schemas.openxmlformats.org/presentationml/2006/main">
-  <p:tag name="KSO_WM_DIAGRAM_VIRTUALLY_FRAME" val="{&quot;height&quot;:401.16472440944887,&quot;left&quot;:554.5730708661417,&quot;top&quot;:147.29000000000002,&quot;width&quot;:233.61614173228355}"/>
+  <p:tag name="KSO_WM_DIAGRAM_VIRTUALLY_FRAME" val="{&quot;height&quot;:406.204094488189,&quot;left&quot;:554.5730708661417,&quot;top&quot;:142.25062992125984,&quot;width&quot;:307.17692913385827}"/>
 </p:tagLst>
 </file>
 
 <file path=ppt/tags/tag9.xml><?xml version="1.0" encoding="utf-8"?>
 <p:tagLst xmlns:p="http://schemas.openxmlformats.org/presentationml/2006/main">
-  <p:tag name="KSO_WM_DIAGRAM_VIRTUALLY_FRAME" val="{&quot;height&quot;:401.16472440944887,&quot;left&quot;:554.5730708661417,&quot;top&quot;:147.29000000000002,&quot;width&quot;:233.61614173228355}"/>
+  <p:tag name="KSO_WM_DIAGRAM_VIRTUALLY_FRAME" val="{&quot;height&quot;:406.204094488189,&quot;left&quot;:554.5730708661417,&quot;top&quot;:142.25062992125984,&quot;width&quot;:307.17692913385827}"/>
 </p:tagLst>
 </file>
 

--- a/Docs/统计分析与建模.pptx
+++ b/Docs/统计分析与建模.pptx
@@ -5013,7 +5013,7 @@
               <a:t>🏛</a:t>
             </a:r>
             <a:r>
-              <a:rPr lang="" altLang="en-US" sz="1600"/>
+              <a:rPr lang="en-US" altLang="en-US" sz="1600"/>
               <a:t>️</a:t>
             </a:r>
             <a:r>
@@ -5207,7 +5207,7 @@
               <a:t>🗺</a:t>
             </a:r>
             <a:r>
-              <a:rPr lang="" altLang="en-US" sz="1600"/>
+              <a:rPr lang="en-US" altLang="en-US" sz="1600"/>
               <a:t>️</a:t>
             </a:r>
             <a:r>
@@ -9911,8 +9911,8 @@
         </p:nvSpPr>
         <p:spPr>
           <a:xfrm>
-            <a:off x="8539480" y="1798955"/>
-            <a:ext cx="3246755" cy="3853815"/>
+            <a:off x="8539480" y="1990090"/>
+            <a:ext cx="3246755" cy="3662680"/>
           </a:xfrm>
           <a:prstGeom prst="rect">
             <a:avLst/>
@@ -10042,14 +10042,6 @@
                 <a:spcPct val="150000"/>
               </a:lnSpc>
             </a:pPr>
-            <a:r>
-              <a:rPr lang="zh-CN" altLang="en-US" sz="1400"/>
-              <a:t>未来展望：引入空间统计模型，分析污染的地理扩散路径。</a:t>
-            </a:r>
-            <a:r>
-              <a:rPr lang="en-US" altLang="zh-CN" sz="1400"/>
-              <a:t> </a:t>
-            </a:r>
             <a:endParaRPr lang="en-US" altLang="zh-CN" sz="1400"/>
           </a:p>
         </p:txBody>
@@ -10427,14 +10419,6 @@
                 <a:spcPct val="150000"/>
               </a:lnSpc>
             </a:pPr>
-            <a:r>
-              <a:rPr lang="zh-CN" altLang="en-US" sz="1400"/>
-              <a:t>未来展望：引入空间统计模型，分析污染的地理扩散路径。</a:t>
-            </a:r>
-            <a:r>
-              <a:rPr lang="en-US" altLang="zh-CN" sz="1400"/>
-              <a:t> </a:t>
-            </a:r>
             <a:endParaRPr lang="en-US" altLang="zh-CN" sz="1400"/>
           </a:p>
         </p:txBody>
